--- a/Introduction to Neural Networks/project/project_propasal_template.pptx
+++ b/Introduction to Neural Networks/project/project_propasal_template.pptx
@@ -6,10 +6,10 @@
   </p:sldMasterIdLst>
   <p:sldIdLst>
     <p:sldId id="259" r:id="rId2"/>
-    <p:sldId id="263" r:id="rId3"/>
-    <p:sldId id="264" r:id="rId4"/>
-    <p:sldId id="265" r:id="rId5"/>
-    <p:sldId id="266" r:id="rId6"/>
+    <p:sldId id="267" r:id="rId3"/>
+    <p:sldId id="263" r:id="rId4"/>
+    <p:sldId id="268" r:id="rId5"/>
+    <p:sldId id="269" r:id="rId6"/>
   </p:sldIdLst>
   <p:sldSz cx="12192000" cy="6858000"/>
   <p:notesSz cx="6858000" cy="9144000"/>
@@ -110,7 +110,13 @@
   </p:defaultTextStyle>
   <p:extLst>
     <p:ext uri="{EFAFB233-063F-42B5-8137-9DF3F51BA10A}">
-      <p15:sldGuideLst xmlns:p15="http://schemas.microsoft.com/office/powerpoint/2012/main"/>
+      <p15:sldGuideLst xmlns:p15="http://schemas.microsoft.com/office/powerpoint/2012/main">
+        <p15:guide id="1" pos="3840" userDrawn="1">
+          <p15:clr>
+            <a:srgbClr val="A4A3A4"/>
+          </p15:clr>
+        </p15:guide>
+      </p15:sldGuideLst>
     </p:ext>
   </p:extLst>
 </p:presentation>
@@ -245,7 +251,7 @@
           <a:p>
             <a:fld id="{9C6296F0-D1D2-4BF4-A5AF-452ACF190034}" type="datetimeFigureOut">
               <a:rPr lang="ko-KR" altLang="en-US" smtClean="0"/>
-              <a:t>2020-05-19</a:t>
+              <a:t>2020-06-04</a:t>
             </a:fld>
             <a:endParaRPr lang="ko-KR" altLang="en-US"/>
           </a:p>
@@ -413,7 +419,7 @@
           <a:p>
             <a:fld id="{9C6296F0-D1D2-4BF4-A5AF-452ACF190034}" type="datetimeFigureOut">
               <a:rPr lang="ko-KR" altLang="en-US" smtClean="0"/>
-              <a:t>2020-05-19</a:t>
+              <a:t>2020-06-04</a:t>
             </a:fld>
             <a:endParaRPr lang="ko-KR" altLang="en-US"/>
           </a:p>
@@ -591,7 +597,7 @@
           <a:p>
             <a:fld id="{9C6296F0-D1D2-4BF4-A5AF-452ACF190034}" type="datetimeFigureOut">
               <a:rPr lang="ko-KR" altLang="en-US" smtClean="0"/>
-              <a:t>2020-05-19</a:t>
+              <a:t>2020-06-04</a:t>
             </a:fld>
             <a:endParaRPr lang="ko-KR" altLang="en-US"/>
           </a:p>
@@ -759,7 +765,7 @@
           <a:p>
             <a:fld id="{9C6296F0-D1D2-4BF4-A5AF-452ACF190034}" type="datetimeFigureOut">
               <a:rPr lang="ko-KR" altLang="en-US" smtClean="0"/>
-              <a:t>2020-05-19</a:t>
+              <a:t>2020-06-04</a:t>
             </a:fld>
             <a:endParaRPr lang="ko-KR" altLang="en-US"/>
           </a:p>
@@ -1004,7 +1010,7 @@
           <a:p>
             <a:fld id="{9C6296F0-D1D2-4BF4-A5AF-452ACF190034}" type="datetimeFigureOut">
               <a:rPr lang="ko-KR" altLang="en-US" smtClean="0"/>
-              <a:t>2020-05-19</a:t>
+              <a:t>2020-06-04</a:t>
             </a:fld>
             <a:endParaRPr lang="ko-KR" altLang="en-US"/>
           </a:p>
@@ -1233,7 +1239,7 @@
           <a:p>
             <a:fld id="{9C6296F0-D1D2-4BF4-A5AF-452ACF190034}" type="datetimeFigureOut">
               <a:rPr lang="ko-KR" altLang="en-US" smtClean="0"/>
-              <a:t>2020-05-19</a:t>
+              <a:t>2020-06-04</a:t>
             </a:fld>
             <a:endParaRPr lang="ko-KR" altLang="en-US"/>
           </a:p>
@@ -1597,7 +1603,7 @@
           <a:p>
             <a:fld id="{9C6296F0-D1D2-4BF4-A5AF-452ACF190034}" type="datetimeFigureOut">
               <a:rPr lang="ko-KR" altLang="en-US" smtClean="0"/>
-              <a:t>2020-05-19</a:t>
+              <a:t>2020-06-04</a:t>
             </a:fld>
             <a:endParaRPr lang="ko-KR" altLang="en-US"/>
           </a:p>
@@ -1714,7 +1720,7 @@
           <a:p>
             <a:fld id="{9C6296F0-D1D2-4BF4-A5AF-452ACF190034}" type="datetimeFigureOut">
               <a:rPr lang="ko-KR" altLang="en-US" smtClean="0"/>
-              <a:t>2020-05-19</a:t>
+              <a:t>2020-06-04</a:t>
             </a:fld>
             <a:endParaRPr lang="ko-KR" altLang="en-US"/>
           </a:p>
@@ -1809,7 +1815,7 @@
           <a:p>
             <a:fld id="{9C6296F0-D1D2-4BF4-A5AF-452ACF190034}" type="datetimeFigureOut">
               <a:rPr lang="ko-KR" altLang="en-US" smtClean="0"/>
-              <a:t>2020-05-19</a:t>
+              <a:t>2020-06-04</a:t>
             </a:fld>
             <a:endParaRPr lang="ko-KR" altLang="en-US"/>
           </a:p>
@@ -2084,7 +2090,7 @@
           <a:p>
             <a:fld id="{9C6296F0-D1D2-4BF4-A5AF-452ACF190034}" type="datetimeFigureOut">
               <a:rPr lang="ko-KR" altLang="en-US" smtClean="0"/>
-              <a:t>2020-05-19</a:t>
+              <a:t>2020-06-04</a:t>
             </a:fld>
             <a:endParaRPr lang="ko-KR" altLang="en-US"/>
           </a:p>
@@ -2336,7 +2342,7 @@
           <a:p>
             <a:fld id="{9C6296F0-D1D2-4BF4-A5AF-452ACF190034}" type="datetimeFigureOut">
               <a:rPr lang="ko-KR" altLang="en-US" smtClean="0"/>
-              <a:t>2020-05-19</a:t>
+              <a:t>2020-06-04</a:t>
             </a:fld>
             <a:endParaRPr lang="ko-KR" altLang="en-US"/>
           </a:p>
@@ -2547,7 +2553,7 @@
           <a:p>
             <a:fld id="{9C6296F0-D1D2-4BF4-A5AF-452ACF190034}" type="datetimeFigureOut">
               <a:rPr lang="ko-KR" altLang="en-US" smtClean="0"/>
-              <a:t>2020-05-19</a:t>
+              <a:t>2020-06-04</a:t>
             </a:fld>
             <a:endParaRPr lang="ko-KR" altLang="en-US"/>
           </a:p>
@@ -2982,10 +2988,7 @@
             <a:avLst/>
           </a:prstGeom>
           <a:solidFill>
-            <a:schemeClr val="tx1">
-              <a:lumMod val="95000"/>
-              <a:lumOff val="5000"/>
-            </a:schemeClr>
+            <a:srgbClr val="0078EF"/>
           </a:solidFill>
           <a:ln>
             <a:noFill/>
@@ -3024,8 +3027,8 @@
         </p:nvSpPr>
         <p:spPr>
           <a:xfrm>
-            <a:off x="7554687" y="2925312"/>
-            <a:ext cx="4347216" cy="646331"/>
+            <a:off x="2369127" y="2648313"/>
+            <a:ext cx="9194627" cy="1200329"/>
           </a:xfrm>
           <a:prstGeom prst="rect">
             <a:avLst/>
@@ -3033,26 +3036,27 @@
           <a:noFill/>
         </p:spPr>
         <p:txBody>
-          <a:bodyPr wrap="none" rtlCol="0">
+          <a:bodyPr wrap="square" rtlCol="0">
             <a:spAutoFit/>
           </a:bodyPr>
           <a:lstStyle/>
           <a:p>
-            <a:r>
-              <a:rPr lang="en-US" altLang="ko-KR" sz="3600" dirty="0">
+            <a:pPr algn="r"/>
+            <a:r>
+              <a:rPr lang="en-US" altLang="ko-KR" sz="3600" b="1" dirty="0" smtClean="0">
                 <a:solidFill>
                   <a:schemeClr val="bg1"/>
                 </a:solidFill>
-                <a:latin typeface="a드림고딕1" panose="02020600000000000000" pitchFamily="18" charset="-127"/>
+                <a:latin typeface="Helvetica Neue" panose="02000403000000020004" pitchFamily="50" charset="0"/>
                 <a:ea typeface="a드림고딕1" panose="02020600000000000000" pitchFamily="18" charset="-127"/>
               </a:rPr>
-              <a:t>Title of your project</a:t>
-            </a:r>
-            <a:endParaRPr lang="ko-KR" altLang="en-US" sz="3600" dirty="0">
+              <a:t>Establishing node-link relationship using Reinforcement Learning Algorithm</a:t>
+            </a:r>
+            <a:endParaRPr lang="ko-KR" altLang="en-US" sz="3600" b="1" dirty="0">
               <a:solidFill>
                 <a:schemeClr val="bg1"/>
               </a:solidFill>
-              <a:latin typeface="a드림고딕1" panose="02020600000000000000" pitchFamily="18" charset="-127"/>
+              <a:latin typeface="Helvetica Neue" panose="02000403000000020004" pitchFamily="50" charset="0"/>
               <a:ea typeface="a드림고딕1" panose="02020600000000000000" pitchFamily="18" charset="-127"/>
             </a:endParaRPr>
           </a:p>
@@ -3067,7 +3071,7 @@
         <p:spPr>
           <a:xfrm>
             <a:off x="162339" y="6139851"/>
-            <a:ext cx="1241045" cy="369332"/>
+            <a:ext cx="3411511" cy="369332"/>
           </a:xfrm>
           <a:prstGeom prst="rect">
             <a:avLst/>
@@ -3081,26 +3085,30 @@
           <a:lstStyle/>
           <a:p>
             <a:r>
-              <a:rPr lang="ko-KR" altLang="en-US" dirty="0">
-                <a:latin typeface="a드림고딕1" panose="02020600000000000000" pitchFamily="18" charset="-127"/>
+              <a:rPr lang="en-US" altLang="ko-KR" b="1" dirty="0" smtClean="0">
+                <a:latin typeface="Helvetica Neue" panose="02000403000000020004" pitchFamily="50" charset="0"/>
                 <a:ea typeface="a드림고딕1" panose="02020600000000000000" pitchFamily="18" charset="-127"/>
               </a:rPr>
-              <a:t>이름</a:t>
-            </a:r>
-            <a:r>
-              <a:rPr lang="en-US" altLang="ko-KR" dirty="0">
-                <a:latin typeface="a드림고딕1" panose="02020600000000000000" pitchFamily="18" charset="-127"/>
+              <a:t>HanKyeol </a:t>
+            </a:r>
+            <a:r>
+              <a:rPr lang="en-US" altLang="ko-KR" b="1" dirty="0" smtClean="0">
+                <a:latin typeface="Helvetica Neue" panose="02000403000000020004" pitchFamily="50" charset="0"/>
                 <a:ea typeface="a드림고딕1" panose="02020600000000000000" pitchFamily="18" charset="-127"/>
               </a:rPr>
-              <a:t>, </a:t>
-            </a:r>
-            <a:r>
-              <a:rPr lang="ko-KR" altLang="en-US" dirty="0">
-                <a:latin typeface="a드림고딕1" panose="02020600000000000000" pitchFamily="18" charset="-127"/>
+              <a:t>Kyung, </a:t>
+            </a:r>
+            <a:r>
+              <a:rPr lang="en-US" altLang="ko-KR" b="1" dirty="0" smtClean="0">
+                <a:latin typeface="Helvetica Neue" panose="02000403000000020004" pitchFamily="50" charset="0"/>
                 <a:ea typeface="a드림고딕1" panose="02020600000000000000" pitchFamily="18" charset="-127"/>
               </a:rPr>
-              <a:t>학번</a:t>
-            </a:r>
+              <a:t>2020020562</a:t>
+            </a:r>
+            <a:endParaRPr lang="ko-KR" altLang="en-US" b="1" dirty="0">
+              <a:latin typeface="Helvetica Neue" panose="02000403000000020004" pitchFamily="50" charset="0"/>
+              <a:ea typeface="a드림고딕1" panose="02020600000000000000" pitchFamily="18" charset="-127"/>
+            </a:endParaRPr>
           </a:p>
         </p:txBody>
       </p:sp>
@@ -3114,6 +3122,13 @@
   <p:clrMapOvr>
     <a:masterClrMapping/>
   </p:clrMapOvr>
+  <p:timing>
+    <p:tnLst>
+      <p:par>
+        <p:cTn id="1" dur="indefinite" restart="never" nodeType="tmRoot"/>
+      </p:par>
+    </p:tnLst>
+  </p:timing>
 </p:sld>
 </file>
 
@@ -3142,18 +3157,15 @@
         </p:nvCxnSpPr>
         <p:spPr>
           <a:xfrm>
-            <a:off x="323850" y="1371600"/>
-            <a:ext cx="11449050" cy="0"/>
+            <a:off x="323850" y="1663987"/>
+            <a:ext cx="11530098" cy="0"/>
           </a:xfrm>
           <a:prstGeom prst="line">
             <a:avLst/>
           </a:prstGeom>
-          <a:ln>
+          <a:ln w="28575">
             <a:solidFill>
-              <a:schemeClr val="tx1">
-                <a:lumMod val="75000"/>
-                <a:lumOff val="25000"/>
-              </a:schemeClr>
+              <a:srgbClr val="0078EF"/>
             </a:solidFill>
           </a:ln>
         </p:spPr>
@@ -3181,17 +3193,14 @@
         <p:spPr>
           <a:xfrm>
             <a:off x="323850" y="6591300"/>
-            <a:ext cx="11449050" cy="0"/>
+            <a:ext cx="11530098" cy="0"/>
           </a:xfrm>
           <a:prstGeom prst="line">
             <a:avLst/>
           </a:prstGeom>
-          <a:ln>
+          <a:ln w="28575">
             <a:solidFill>
-              <a:schemeClr val="tx1">
-                <a:lumMod val="75000"/>
-                <a:lumOff val="25000"/>
-              </a:schemeClr>
+              <a:srgbClr val="0078EF"/>
             </a:solidFill>
           </a:ln>
         </p:spPr>
@@ -3218,8 +3227,8 @@
         </p:nvSpPr>
         <p:spPr>
           <a:xfrm>
-            <a:off x="361950" y="0"/>
-            <a:ext cx="11449050" cy="1162050"/>
+            <a:off x="323849" y="292387"/>
+            <a:ext cx="11530099" cy="1162050"/>
           </a:xfrm>
           <a:custGeom>
             <a:avLst/>
@@ -3384,10 +3393,7 @@
             </a:pathLst>
           </a:custGeom>
           <a:solidFill>
-            <a:schemeClr val="tx1">
-              <a:lumMod val="95000"/>
-              <a:lumOff val="5000"/>
-            </a:schemeClr>
+            <a:srgbClr val="0078EF"/>
           </a:solidFill>
           <a:ln>
             <a:noFill/>
@@ -3423,86 +3429,40 @@
       </p:sp>
       <p:sp>
         <p:nvSpPr>
-          <p:cNvPr id="28" name="TextBox 27"/>
-          <p:cNvSpPr txBox="1"/>
-          <p:nvPr/>
-        </p:nvSpPr>
-        <p:spPr>
-          <a:xfrm>
-            <a:off x="629947" y="54054"/>
-            <a:ext cx="1117614" cy="1107996"/>
-          </a:xfrm>
-          <a:prstGeom prst="rect">
-            <a:avLst/>
-          </a:prstGeom>
-          <a:noFill/>
-        </p:spPr>
-        <p:txBody>
-          <a:bodyPr wrap="none" rtlCol="0">
-            <a:spAutoFit/>
-          </a:bodyPr>
-          <a:lstStyle/>
-          <a:p>
-            <a:r>
-              <a:rPr lang="en-US" altLang="ko-KR" sz="6600" dirty="0">
-                <a:solidFill>
-                  <a:schemeClr val="bg1"/>
-                </a:solidFill>
-                <a:latin typeface="a공간B" panose="02020600000000000000" pitchFamily="18" charset="-127"/>
-                <a:ea typeface="a공간B" panose="02020600000000000000" pitchFamily="18" charset="-127"/>
-              </a:rPr>
-              <a:t>01</a:t>
-            </a:r>
-            <a:endParaRPr lang="ko-KR" altLang="en-US" sz="6600" dirty="0">
-              <a:solidFill>
-                <a:schemeClr val="bg1"/>
-              </a:solidFill>
-              <a:latin typeface="a공간B" panose="02020600000000000000" pitchFamily="18" charset="-127"/>
-              <a:ea typeface="a공간B" panose="02020600000000000000" pitchFamily="18" charset="-127"/>
-            </a:endParaRPr>
-          </a:p>
-        </p:txBody>
-      </p:sp>
-      <p:sp>
-        <p:nvSpPr>
           <p:cNvPr id="29" name="직사각형 28"/>
           <p:cNvSpPr/>
           <p:nvPr/>
         </p:nvSpPr>
         <p:spPr>
           <a:xfrm>
-            <a:off x="1662602" y="581025"/>
-            <a:ext cx="1431610" cy="400110"/>
+            <a:off x="1076843" y="550246"/>
+            <a:ext cx="4157863" cy="646331"/>
           </a:xfrm>
           <a:prstGeom prst="rect">
             <a:avLst/>
           </a:prstGeom>
         </p:spPr>
         <p:txBody>
-          <a:bodyPr wrap="none">
+          <a:bodyPr wrap="square">
             <a:spAutoFit/>
           </a:bodyPr>
           <a:lstStyle/>
           <a:p>
             <a:r>
-              <a:rPr lang="en-US" altLang="ko-KR" sz="2000" dirty="0">
+              <a:rPr lang="en-US" altLang="ko-KR" sz="3600" b="1" dirty="0">
                 <a:solidFill>
-                  <a:schemeClr val="bg1">
-                    <a:lumMod val="75000"/>
-                  </a:schemeClr>
+                  <a:schemeClr val="bg1"/>
                 </a:solidFill>
-                <a:latin typeface="a드림고딕1" panose="02020600000000000000" pitchFamily="18" charset="-127"/>
+                <a:latin typeface="Helvetica Neue" panose="02000403000000020004" pitchFamily="50" charset="0"/>
                 <a:ea typeface="a드림고딕1" panose="02020600000000000000" pitchFamily="18" charset="-127"/>
               </a:rPr>
               <a:t>Motivation</a:t>
             </a:r>
-            <a:endParaRPr lang="ko-KR" altLang="en-US" dirty="0">
+            <a:endParaRPr lang="ko-KR" altLang="en-US" sz="3200" b="1" dirty="0">
               <a:solidFill>
-                <a:schemeClr val="bg1">
-                  <a:lumMod val="75000"/>
-                </a:schemeClr>
+                <a:schemeClr val="bg1"/>
               </a:solidFill>
-              <a:latin typeface="a드림고딕1" panose="02020600000000000000" pitchFamily="18" charset="-127"/>
+              <a:latin typeface="Helvetica Neue" panose="02000403000000020004" pitchFamily="50" charset="0"/>
               <a:ea typeface="a드림고딕1" panose="02020600000000000000" pitchFamily="18" charset="-127"/>
             </a:endParaRPr>
           </a:p>
@@ -3511,13 +3471,20 @@
     </p:spTree>
     <p:extLst>
       <p:ext uri="{BB962C8B-B14F-4D97-AF65-F5344CB8AC3E}">
-        <p14:creationId xmlns:p14="http://schemas.microsoft.com/office/powerpoint/2010/main" val="355084157"/>
+        <p14:creationId xmlns:p14="http://schemas.microsoft.com/office/powerpoint/2010/main" val="98900989"/>
       </p:ext>
     </p:extLst>
   </p:cSld>
   <p:clrMapOvr>
     <a:masterClrMapping/>
   </p:clrMapOvr>
+  <p:timing>
+    <p:tnLst>
+      <p:par>
+        <p:cTn id="1" dur="indefinite" restart="never" nodeType="tmRoot"/>
+      </p:par>
+    </p:tnLst>
+  </p:timing>
 </p:sld>
 </file>
 
@@ -3546,18 +3513,15 @@
         </p:nvCxnSpPr>
         <p:spPr>
           <a:xfrm>
-            <a:off x="323850" y="1371600"/>
-            <a:ext cx="11449050" cy="0"/>
+            <a:off x="323850" y="1663987"/>
+            <a:ext cx="11530098" cy="0"/>
           </a:xfrm>
           <a:prstGeom prst="line">
             <a:avLst/>
           </a:prstGeom>
-          <a:ln>
+          <a:ln w="28575">
             <a:solidFill>
-              <a:schemeClr val="tx1">
-                <a:lumMod val="75000"/>
-                <a:lumOff val="25000"/>
-              </a:schemeClr>
+              <a:srgbClr val="0078EF"/>
             </a:solidFill>
           </a:ln>
         </p:spPr>
@@ -3585,17 +3549,14 @@
         <p:spPr>
           <a:xfrm>
             <a:off x="323850" y="6591300"/>
-            <a:ext cx="11449050" cy="0"/>
+            <a:ext cx="11530098" cy="0"/>
           </a:xfrm>
           <a:prstGeom prst="line">
             <a:avLst/>
           </a:prstGeom>
-          <a:ln>
+          <a:ln w="28575">
             <a:solidFill>
-              <a:schemeClr val="tx1">
-                <a:lumMod val="75000"/>
-                <a:lumOff val="25000"/>
-              </a:schemeClr>
+              <a:srgbClr val="0078EF"/>
             </a:solidFill>
           </a:ln>
         </p:spPr>
@@ -3622,8 +3583,8 @@
         </p:nvSpPr>
         <p:spPr>
           <a:xfrm>
-            <a:off x="361950" y="0"/>
-            <a:ext cx="11449050" cy="1162050"/>
+            <a:off x="323849" y="292387"/>
+            <a:ext cx="11530099" cy="1162050"/>
           </a:xfrm>
           <a:custGeom>
             <a:avLst/>
@@ -3788,10 +3749,7 @@
             </a:pathLst>
           </a:custGeom>
           <a:solidFill>
-            <a:schemeClr val="tx1">
-              <a:lumMod val="95000"/>
-              <a:lumOff val="5000"/>
-            </a:schemeClr>
+            <a:srgbClr val="0078EF"/>
           </a:solidFill>
           <a:ln>
             <a:noFill/>
@@ -3827,86 +3785,50 @@
       </p:sp>
       <p:sp>
         <p:nvSpPr>
-          <p:cNvPr id="28" name="TextBox 27"/>
-          <p:cNvSpPr txBox="1"/>
-          <p:nvPr/>
-        </p:nvSpPr>
-        <p:spPr>
-          <a:xfrm>
-            <a:off x="629947" y="54054"/>
-            <a:ext cx="1117614" cy="1107996"/>
-          </a:xfrm>
-          <a:prstGeom prst="rect">
-            <a:avLst/>
-          </a:prstGeom>
-          <a:noFill/>
-        </p:spPr>
-        <p:txBody>
-          <a:bodyPr wrap="none" rtlCol="0">
-            <a:spAutoFit/>
-          </a:bodyPr>
-          <a:lstStyle/>
-          <a:p>
-            <a:r>
-              <a:rPr lang="en-US" altLang="ko-KR" sz="6600" dirty="0">
-                <a:solidFill>
-                  <a:schemeClr val="bg1"/>
-                </a:solidFill>
-                <a:latin typeface="a공간B" panose="02020600000000000000" pitchFamily="18" charset="-127"/>
-                <a:ea typeface="a공간B" panose="02020600000000000000" pitchFamily="18" charset="-127"/>
-              </a:rPr>
-              <a:t>02</a:t>
-            </a:r>
-            <a:endParaRPr lang="ko-KR" altLang="en-US" sz="6600" dirty="0">
-              <a:solidFill>
-                <a:schemeClr val="bg1"/>
-              </a:solidFill>
-              <a:latin typeface="a공간B" panose="02020600000000000000" pitchFamily="18" charset="-127"/>
-              <a:ea typeface="a공간B" panose="02020600000000000000" pitchFamily="18" charset="-127"/>
-            </a:endParaRPr>
-          </a:p>
-        </p:txBody>
-      </p:sp>
-      <p:sp>
-        <p:nvSpPr>
           <p:cNvPr id="29" name="직사각형 28"/>
           <p:cNvSpPr/>
           <p:nvPr/>
         </p:nvSpPr>
         <p:spPr>
           <a:xfrm>
-            <a:off x="1662602" y="581025"/>
-            <a:ext cx="2201244" cy="400110"/>
+            <a:off x="1076843" y="550246"/>
+            <a:ext cx="4157863" cy="646331"/>
           </a:xfrm>
           <a:prstGeom prst="rect">
             <a:avLst/>
           </a:prstGeom>
         </p:spPr>
         <p:txBody>
-          <a:bodyPr wrap="none">
+          <a:bodyPr wrap="square">
             <a:spAutoFit/>
           </a:bodyPr>
           <a:lstStyle/>
           <a:p>
             <a:r>
-              <a:rPr lang="en-US" altLang="ko-KR" sz="2000" dirty="0">
+              <a:rPr lang="en-US" altLang="ko-KR" sz="3600" b="1" dirty="0" smtClean="0">
                 <a:solidFill>
-                  <a:schemeClr val="bg1">
-                    <a:lumMod val="75000"/>
-                  </a:schemeClr>
+                  <a:schemeClr val="bg1"/>
                 </a:solidFill>
-                <a:latin typeface="a드림고딕1" panose="02020600000000000000" pitchFamily="18" charset="-127"/>
+                <a:latin typeface="Helvetica Neue" panose="02000403000000020004" pitchFamily="50" charset="0"/>
                 <a:ea typeface="a드림고딕1" panose="02020600000000000000" pitchFamily="18" charset="-127"/>
               </a:rPr>
-              <a:t>Hypothesis / Aim</a:t>
-            </a:r>
-            <a:endParaRPr lang="ko-KR" altLang="en-US" dirty="0">
+              <a:t>Hypothesis</a:t>
+            </a:r>
+            <a:r>
+              <a:rPr lang="en-US" altLang="ko-KR" sz="3200" b="1" dirty="0" smtClean="0">
+                <a:solidFill>
+                  <a:schemeClr val="bg1"/>
+                </a:solidFill>
+                <a:latin typeface="Helvetica Neue" panose="02000403000000020004" pitchFamily="50" charset="0"/>
+                <a:ea typeface="a드림고딕1" panose="02020600000000000000" pitchFamily="18" charset="-127"/>
+              </a:rPr>
+              <a:t> / Aim</a:t>
+            </a:r>
+            <a:endParaRPr lang="ko-KR" altLang="en-US" sz="3200" b="1" dirty="0">
               <a:solidFill>
-                <a:schemeClr val="bg1">
-                  <a:lumMod val="75000"/>
-                </a:schemeClr>
+                <a:schemeClr val="bg1"/>
               </a:solidFill>
-              <a:latin typeface="a드림고딕1" panose="02020600000000000000" pitchFamily="18" charset="-127"/>
+              <a:latin typeface="Helvetica Neue" panose="02000403000000020004" pitchFamily="50" charset="0"/>
               <a:ea typeface="a드림고딕1" panose="02020600000000000000" pitchFamily="18" charset="-127"/>
             </a:endParaRPr>
           </a:p>
@@ -3915,13 +3837,20 @@
     </p:spTree>
     <p:extLst>
       <p:ext uri="{BB962C8B-B14F-4D97-AF65-F5344CB8AC3E}">
-        <p14:creationId xmlns:p14="http://schemas.microsoft.com/office/powerpoint/2010/main" val="837762220"/>
+        <p14:creationId xmlns:p14="http://schemas.microsoft.com/office/powerpoint/2010/main" val="355084157"/>
       </p:ext>
     </p:extLst>
   </p:cSld>
   <p:clrMapOvr>
     <a:masterClrMapping/>
   </p:clrMapOvr>
+  <p:timing>
+    <p:tnLst>
+      <p:par>
+        <p:cTn id="1" dur="indefinite" restart="never" nodeType="tmRoot"/>
+      </p:par>
+    </p:tnLst>
+  </p:timing>
 </p:sld>
 </file>
 
@@ -3950,18 +3879,15 @@
         </p:nvCxnSpPr>
         <p:spPr>
           <a:xfrm>
-            <a:off x="323850" y="1371600"/>
-            <a:ext cx="11449050" cy="0"/>
+            <a:off x="323850" y="1663987"/>
+            <a:ext cx="11530098" cy="0"/>
           </a:xfrm>
           <a:prstGeom prst="line">
             <a:avLst/>
           </a:prstGeom>
-          <a:ln>
+          <a:ln w="28575">
             <a:solidFill>
-              <a:schemeClr val="tx1">
-                <a:lumMod val="75000"/>
-                <a:lumOff val="25000"/>
-              </a:schemeClr>
+              <a:srgbClr val="0078EF"/>
             </a:solidFill>
           </a:ln>
         </p:spPr>
@@ -3989,17 +3915,14 @@
         <p:spPr>
           <a:xfrm>
             <a:off x="323850" y="6591300"/>
-            <a:ext cx="11449050" cy="0"/>
+            <a:ext cx="11530098" cy="0"/>
           </a:xfrm>
           <a:prstGeom prst="line">
             <a:avLst/>
           </a:prstGeom>
-          <a:ln>
+          <a:ln w="28575">
             <a:solidFill>
-              <a:schemeClr val="tx1">
-                <a:lumMod val="75000"/>
-                <a:lumOff val="25000"/>
-              </a:schemeClr>
+              <a:srgbClr val="0078EF"/>
             </a:solidFill>
           </a:ln>
         </p:spPr>
@@ -4026,8 +3949,8 @@
         </p:nvSpPr>
         <p:spPr>
           <a:xfrm>
-            <a:off x="361950" y="0"/>
-            <a:ext cx="11449050" cy="1162050"/>
+            <a:off x="323849" y="292387"/>
+            <a:ext cx="11530099" cy="1162050"/>
           </a:xfrm>
           <a:custGeom>
             <a:avLst/>
@@ -4192,10 +4115,7 @@
             </a:pathLst>
           </a:custGeom>
           <a:solidFill>
-            <a:schemeClr val="tx1">
-              <a:lumMod val="95000"/>
-              <a:lumOff val="5000"/>
-            </a:schemeClr>
+            <a:srgbClr val="0078EF"/>
           </a:solidFill>
           <a:ln>
             <a:noFill/>
@@ -4231,86 +4151,40 @@
       </p:sp>
       <p:sp>
         <p:nvSpPr>
-          <p:cNvPr id="28" name="TextBox 27"/>
-          <p:cNvSpPr txBox="1"/>
-          <p:nvPr/>
-        </p:nvSpPr>
-        <p:spPr>
-          <a:xfrm>
-            <a:off x="629947" y="54054"/>
-            <a:ext cx="1117614" cy="1107996"/>
-          </a:xfrm>
-          <a:prstGeom prst="rect">
-            <a:avLst/>
-          </a:prstGeom>
-          <a:noFill/>
-        </p:spPr>
-        <p:txBody>
-          <a:bodyPr wrap="none" rtlCol="0">
-            <a:spAutoFit/>
-          </a:bodyPr>
-          <a:lstStyle/>
-          <a:p>
-            <a:r>
-              <a:rPr lang="en-US" altLang="ko-KR" sz="6600" dirty="0">
-                <a:solidFill>
-                  <a:schemeClr val="bg1"/>
-                </a:solidFill>
-                <a:latin typeface="a공간B" panose="02020600000000000000" pitchFamily="18" charset="-127"/>
-                <a:ea typeface="a공간B" panose="02020600000000000000" pitchFamily="18" charset="-127"/>
-              </a:rPr>
-              <a:t>03</a:t>
-            </a:r>
-            <a:endParaRPr lang="ko-KR" altLang="en-US" sz="6600" dirty="0">
-              <a:solidFill>
-                <a:schemeClr val="bg1"/>
-              </a:solidFill>
-              <a:latin typeface="a공간B" panose="02020600000000000000" pitchFamily="18" charset="-127"/>
-              <a:ea typeface="a공간B" panose="02020600000000000000" pitchFamily="18" charset="-127"/>
-            </a:endParaRPr>
-          </a:p>
-        </p:txBody>
-      </p:sp>
-      <p:sp>
-        <p:nvSpPr>
           <p:cNvPr id="29" name="직사각형 28"/>
           <p:cNvSpPr/>
           <p:nvPr/>
         </p:nvSpPr>
         <p:spPr>
           <a:xfrm>
-            <a:off x="1662602" y="581025"/>
-            <a:ext cx="1103187" cy="400110"/>
+            <a:off x="1076843" y="550246"/>
+            <a:ext cx="4157863" cy="646331"/>
           </a:xfrm>
           <a:prstGeom prst="rect">
             <a:avLst/>
           </a:prstGeom>
         </p:spPr>
         <p:txBody>
-          <a:bodyPr wrap="none">
+          <a:bodyPr wrap="square">
             <a:spAutoFit/>
           </a:bodyPr>
           <a:lstStyle/>
           <a:p>
             <a:r>
-              <a:rPr lang="en-US" altLang="ko-KR" sz="2000">
+              <a:rPr lang="en-US" altLang="ko-KR" sz="3600" b="1" dirty="0" smtClean="0">
                 <a:solidFill>
-                  <a:schemeClr val="bg1">
-                    <a:lumMod val="75000"/>
-                  </a:schemeClr>
+                  <a:schemeClr val="bg1"/>
                 </a:solidFill>
-                <a:latin typeface="a드림고딕1" panose="02020600000000000000" pitchFamily="18" charset="-127"/>
+                <a:latin typeface="Helvetica Neue" panose="02000403000000020004" pitchFamily="50" charset="0"/>
                 <a:ea typeface="a드림고딕1" panose="02020600000000000000" pitchFamily="18" charset="-127"/>
               </a:rPr>
               <a:t>Method</a:t>
             </a:r>
-            <a:endParaRPr lang="ko-KR" altLang="en-US" dirty="0">
+            <a:endParaRPr lang="ko-KR" altLang="en-US" sz="3200" b="1" dirty="0">
               <a:solidFill>
-                <a:schemeClr val="bg1">
-                  <a:lumMod val="75000"/>
-                </a:schemeClr>
+                <a:schemeClr val="bg1"/>
               </a:solidFill>
-              <a:latin typeface="a드림고딕1" panose="02020600000000000000" pitchFamily="18" charset="-127"/>
+              <a:latin typeface="Helvetica Neue" panose="02000403000000020004" pitchFamily="50" charset="0"/>
               <a:ea typeface="a드림고딕1" panose="02020600000000000000" pitchFamily="18" charset="-127"/>
             </a:endParaRPr>
           </a:p>
@@ -4319,13 +4193,20 @@
     </p:spTree>
     <p:extLst>
       <p:ext uri="{BB962C8B-B14F-4D97-AF65-F5344CB8AC3E}">
-        <p14:creationId xmlns:p14="http://schemas.microsoft.com/office/powerpoint/2010/main" val="1408788995"/>
+        <p14:creationId xmlns:p14="http://schemas.microsoft.com/office/powerpoint/2010/main" val="2599090901"/>
       </p:ext>
     </p:extLst>
   </p:cSld>
   <p:clrMapOvr>
     <a:masterClrMapping/>
   </p:clrMapOvr>
+  <p:timing>
+    <p:tnLst>
+      <p:par>
+        <p:cTn id="1" dur="indefinite" restart="never" nodeType="tmRoot"/>
+      </p:par>
+    </p:tnLst>
+  </p:timing>
 </p:sld>
 </file>
 
@@ -4354,18 +4235,15 @@
         </p:nvCxnSpPr>
         <p:spPr>
           <a:xfrm>
-            <a:off x="323850" y="1371600"/>
-            <a:ext cx="11449050" cy="0"/>
+            <a:off x="323850" y="1663987"/>
+            <a:ext cx="11530098" cy="0"/>
           </a:xfrm>
           <a:prstGeom prst="line">
             <a:avLst/>
           </a:prstGeom>
-          <a:ln>
+          <a:ln w="28575">
             <a:solidFill>
-              <a:schemeClr val="tx1">
-                <a:lumMod val="75000"/>
-                <a:lumOff val="25000"/>
-              </a:schemeClr>
+              <a:srgbClr val="0078EF"/>
             </a:solidFill>
           </a:ln>
         </p:spPr>
@@ -4393,17 +4271,14 @@
         <p:spPr>
           <a:xfrm>
             <a:off x="323850" y="6591300"/>
-            <a:ext cx="11449050" cy="0"/>
+            <a:ext cx="11530098" cy="0"/>
           </a:xfrm>
           <a:prstGeom prst="line">
             <a:avLst/>
           </a:prstGeom>
-          <a:ln>
+          <a:ln w="28575">
             <a:solidFill>
-              <a:schemeClr val="tx1">
-                <a:lumMod val="75000"/>
-                <a:lumOff val="25000"/>
-              </a:schemeClr>
+              <a:srgbClr val="0078EF"/>
             </a:solidFill>
           </a:ln>
         </p:spPr>
@@ -4430,8 +4305,8 @@
         </p:nvSpPr>
         <p:spPr>
           <a:xfrm>
-            <a:off x="361950" y="0"/>
-            <a:ext cx="11449050" cy="1162050"/>
+            <a:off x="323849" y="292387"/>
+            <a:ext cx="11530099" cy="1162050"/>
           </a:xfrm>
           <a:custGeom>
             <a:avLst/>
@@ -4596,10 +4471,7 @@
             </a:pathLst>
           </a:custGeom>
           <a:solidFill>
-            <a:schemeClr val="tx1">
-              <a:lumMod val="95000"/>
-              <a:lumOff val="5000"/>
-            </a:schemeClr>
+            <a:srgbClr val="0078EF"/>
           </a:solidFill>
           <a:ln>
             <a:noFill/>
@@ -4635,86 +4507,40 @@
       </p:sp>
       <p:sp>
         <p:nvSpPr>
-          <p:cNvPr id="28" name="TextBox 27"/>
-          <p:cNvSpPr txBox="1"/>
-          <p:nvPr/>
-        </p:nvSpPr>
-        <p:spPr>
-          <a:xfrm>
-            <a:off x="629947" y="54054"/>
-            <a:ext cx="1117614" cy="1107996"/>
-          </a:xfrm>
-          <a:prstGeom prst="rect">
-            <a:avLst/>
-          </a:prstGeom>
-          <a:noFill/>
-        </p:spPr>
-        <p:txBody>
-          <a:bodyPr wrap="none" rtlCol="0">
-            <a:spAutoFit/>
-          </a:bodyPr>
-          <a:lstStyle/>
-          <a:p>
-            <a:r>
-              <a:rPr lang="en-US" altLang="ko-KR" sz="6600" dirty="0">
-                <a:solidFill>
-                  <a:schemeClr val="bg1"/>
-                </a:solidFill>
-                <a:latin typeface="a공간B" panose="02020600000000000000" pitchFamily="18" charset="-127"/>
-                <a:ea typeface="a공간B" panose="02020600000000000000" pitchFamily="18" charset="-127"/>
-              </a:rPr>
-              <a:t>04</a:t>
-            </a:r>
-            <a:endParaRPr lang="ko-KR" altLang="en-US" sz="6600" dirty="0">
-              <a:solidFill>
-                <a:schemeClr val="bg1"/>
-              </a:solidFill>
-              <a:latin typeface="a공간B" panose="02020600000000000000" pitchFamily="18" charset="-127"/>
-              <a:ea typeface="a공간B" panose="02020600000000000000" pitchFamily="18" charset="-127"/>
-            </a:endParaRPr>
-          </a:p>
-        </p:txBody>
-      </p:sp>
-      <p:sp>
-        <p:nvSpPr>
           <p:cNvPr id="29" name="직사각형 28"/>
           <p:cNvSpPr/>
           <p:nvPr/>
         </p:nvSpPr>
         <p:spPr>
           <a:xfrm>
-            <a:off x="1662602" y="581025"/>
-            <a:ext cx="1953420" cy="400110"/>
+            <a:off x="1076843" y="550246"/>
+            <a:ext cx="4157863" cy="646331"/>
           </a:xfrm>
           <a:prstGeom prst="rect">
             <a:avLst/>
           </a:prstGeom>
         </p:spPr>
         <p:txBody>
-          <a:bodyPr wrap="none">
+          <a:bodyPr wrap="square">
             <a:spAutoFit/>
           </a:bodyPr>
           <a:lstStyle/>
           <a:p>
             <a:r>
-              <a:rPr lang="en-US" altLang="ko-KR" sz="2000" dirty="0">
+              <a:rPr lang="en-US" altLang="ko-KR" sz="3600" b="1" dirty="0" smtClean="0">
                 <a:solidFill>
-                  <a:schemeClr val="bg1">
-                    <a:lumMod val="75000"/>
-                  </a:schemeClr>
+                  <a:schemeClr val="bg1"/>
                 </a:solidFill>
-                <a:latin typeface="a드림고딕1" panose="02020600000000000000" pitchFamily="18" charset="-127"/>
+                <a:latin typeface="Helvetica Neue" panose="02000403000000020004" pitchFamily="50" charset="0"/>
                 <a:ea typeface="a드림고딕1" panose="02020600000000000000" pitchFamily="18" charset="-127"/>
               </a:rPr>
               <a:t>Expected result</a:t>
             </a:r>
-            <a:endParaRPr lang="ko-KR" altLang="en-US" dirty="0">
+            <a:endParaRPr lang="ko-KR" altLang="en-US" sz="3600" b="1" dirty="0">
               <a:solidFill>
-                <a:schemeClr val="bg1">
-                  <a:lumMod val="75000"/>
-                </a:schemeClr>
+                <a:schemeClr val="bg1"/>
               </a:solidFill>
-              <a:latin typeface="a드림고딕1" panose="02020600000000000000" pitchFamily="18" charset="-127"/>
+              <a:latin typeface="Helvetica Neue" panose="02000403000000020004" pitchFamily="50" charset="0"/>
               <a:ea typeface="a드림고딕1" panose="02020600000000000000" pitchFamily="18" charset="-127"/>
             </a:endParaRPr>
           </a:p>
@@ -4723,13 +4549,20 @@
     </p:spTree>
     <p:extLst>
       <p:ext uri="{BB962C8B-B14F-4D97-AF65-F5344CB8AC3E}">
-        <p14:creationId xmlns:p14="http://schemas.microsoft.com/office/powerpoint/2010/main" val="2244928070"/>
+        <p14:creationId xmlns:p14="http://schemas.microsoft.com/office/powerpoint/2010/main" val="1069736805"/>
       </p:ext>
     </p:extLst>
   </p:cSld>
   <p:clrMapOvr>
     <a:masterClrMapping/>
   </p:clrMapOvr>
+  <p:timing>
+    <p:tnLst>
+      <p:par>
+        <p:cTn id="1" dur="indefinite" restart="never" nodeType="tmRoot"/>
+      </p:par>
+    </p:tnLst>
+  </p:timing>
 </p:sld>
 </file>
 
